--- a/presentaciones/3 Mortalidad General.pptx
+++ b/presentaciones/3 Mortalidad General.pptx
@@ -226,7 +226,7 @@
           <a:p>
             <a:fld id="{FE0B6664-6E5E-4B90-ABD6-1C5CD8EBB38A}" type="datetimeFigureOut">
               <a:rPr lang="es-PY" smtClean="0"/>
-              <a:t>06/03/2019</a:t>
+              <a:t>10/3/2019</a:t>
             </a:fld>
             <a:endParaRPr lang="es-PY"/>
           </a:p>
@@ -728,7 +728,7 @@
           <a:p>
             <a:fld id="{D47112D0-F75C-4C62-ABB0-2008331DCEBD}" type="datetimeFigureOut">
               <a:rPr lang="es-PY" smtClean="0"/>
-              <a:t>06/03/2019</a:t>
+              <a:t>10/3/2019</a:t>
             </a:fld>
             <a:endParaRPr lang="es-PY"/>
           </a:p>
@@ -928,7 +928,7 @@
           <a:p>
             <a:fld id="{D47112D0-F75C-4C62-ABB0-2008331DCEBD}" type="datetimeFigureOut">
               <a:rPr lang="es-PY" smtClean="0"/>
-              <a:t>06/03/2019</a:t>
+              <a:t>10/3/2019</a:t>
             </a:fld>
             <a:endParaRPr lang="es-PY"/>
           </a:p>
@@ -1138,7 +1138,7 @@
           <a:p>
             <a:fld id="{D47112D0-F75C-4C62-ABB0-2008331DCEBD}" type="datetimeFigureOut">
               <a:rPr lang="es-PY" smtClean="0"/>
-              <a:t>06/03/2019</a:t>
+              <a:t>10/3/2019</a:t>
             </a:fld>
             <a:endParaRPr lang="es-PY"/>
           </a:p>
@@ -1417,7 +1417,7 @@
           <a:p>
             <a:fld id="{D47112D0-F75C-4C62-ABB0-2008331DCEBD}" type="datetimeFigureOut">
               <a:rPr lang="es-PY" smtClean="0"/>
-              <a:t>06/03/2019</a:t>
+              <a:t>10/3/2019</a:t>
             </a:fld>
             <a:endParaRPr lang="es-PY"/>
           </a:p>
@@ -1693,7 +1693,7 @@
           <a:p>
             <a:fld id="{D47112D0-F75C-4C62-ABB0-2008331DCEBD}" type="datetimeFigureOut">
               <a:rPr lang="es-PY" smtClean="0"/>
-              <a:t>06/03/2019</a:t>
+              <a:t>10/3/2019</a:t>
             </a:fld>
             <a:endParaRPr lang="es-PY"/>
           </a:p>
@@ -1961,7 +1961,7 @@
           <a:p>
             <a:fld id="{D47112D0-F75C-4C62-ABB0-2008331DCEBD}" type="datetimeFigureOut">
               <a:rPr lang="es-PY" smtClean="0"/>
-              <a:t>06/03/2019</a:t>
+              <a:t>10/3/2019</a:t>
             </a:fld>
             <a:endParaRPr lang="es-PY"/>
           </a:p>
@@ -2376,7 +2376,7 @@
           <a:p>
             <a:fld id="{D47112D0-F75C-4C62-ABB0-2008331DCEBD}" type="datetimeFigureOut">
               <a:rPr lang="es-PY" smtClean="0"/>
-              <a:t>06/03/2019</a:t>
+              <a:t>10/3/2019</a:t>
             </a:fld>
             <a:endParaRPr lang="es-PY"/>
           </a:p>
@@ -2518,7 +2518,7 @@
           <a:p>
             <a:fld id="{D47112D0-F75C-4C62-ABB0-2008331DCEBD}" type="datetimeFigureOut">
               <a:rPr lang="es-PY" smtClean="0"/>
-              <a:t>06/03/2019</a:t>
+              <a:t>10/3/2019</a:t>
             </a:fld>
             <a:endParaRPr lang="es-PY"/>
           </a:p>
@@ -2631,7 +2631,7 @@
           <a:p>
             <a:fld id="{D47112D0-F75C-4C62-ABB0-2008331DCEBD}" type="datetimeFigureOut">
               <a:rPr lang="es-PY" smtClean="0"/>
-              <a:t>06/03/2019</a:t>
+              <a:t>10/3/2019</a:t>
             </a:fld>
             <a:endParaRPr lang="es-PY"/>
           </a:p>
@@ -2944,7 +2944,7 @@
           <a:p>
             <a:fld id="{D47112D0-F75C-4C62-ABB0-2008331DCEBD}" type="datetimeFigureOut">
               <a:rPr lang="es-PY" smtClean="0"/>
-              <a:t>06/03/2019</a:t>
+              <a:t>10/3/2019</a:t>
             </a:fld>
             <a:endParaRPr lang="es-PY"/>
           </a:p>
@@ -3233,7 +3233,7 @@
           <a:p>
             <a:fld id="{D47112D0-F75C-4C62-ABB0-2008331DCEBD}" type="datetimeFigureOut">
               <a:rPr lang="es-PY" smtClean="0"/>
-              <a:t>06/03/2019</a:t>
+              <a:t>10/3/2019</a:t>
             </a:fld>
             <a:endParaRPr lang="es-PY"/>
           </a:p>
@@ -3476,7 +3476,7 @@
           <a:p>
             <a:fld id="{D47112D0-F75C-4C62-ABB0-2008331DCEBD}" type="datetimeFigureOut">
               <a:rPr lang="es-PY" smtClean="0"/>
-              <a:t>06/03/2019</a:t>
+              <a:t>10/3/2019</a:t>
             </a:fld>
             <a:endParaRPr lang="es-PY"/>
           </a:p>
@@ -3993,31 +3993,6 @@
           </a:extLst>
         </p:spPr>
       </p:pic>
-      <p:sp>
-        <p:nvSpPr>
-          <p:cNvPr id="5" name="Subtítulo 4">
-            <a:extLst>
-              <a:ext uri="{FF2B5EF4-FFF2-40B4-BE49-F238E27FC236}">
-                <a16:creationId xmlns:a16="http://schemas.microsoft.com/office/drawing/2014/main" id="{F7EC1801-17A0-442A-8CD2-7C2D6713AEAD}"/>
-              </a:ext>
-            </a:extLst>
-          </p:cNvPr>
-          <p:cNvSpPr>
-            <a:spLocks noGrp="1"/>
-          </p:cNvSpPr>
-          <p:nvPr>
-            <p:ph type="subTitle" idx="1"/>
-          </p:nvPr>
-        </p:nvSpPr>
-        <p:spPr/>
-        <p:txBody>
-          <a:bodyPr/>
-          <a:lstStyle/>
-          <a:p>
-            <a:endParaRPr lang="es-PY" dirty="0"/>
-          </a:p>
-        </p:txBody>
-      </p:sp>
     </p:spTree>
     <p:extLst>
       <p:ext uri="{BB962C8B-B14F-4D97-AF65-F5344CB8AC3E}">
